--- a/user_manual/module/scm_po_management/scm_po_management_es.pptx
+++ b/user_manual/module/scm_po_management/scm_po_management_es.pptx
@@ -5,17 +5,18 @@
     <p:sldMasterId id="2147483924" r:id="rId1"/>
   </p:sldMasterIdLst>
   <p:notesMasterIdLst>
-    <p:notesMasterId r:id="rId7"/>
+    <p:notesMasterId r:id="rId8"/>
   </p:notesMasterIdLst>
   <p:handoutMasterIdLst>
-    <p:handoutMasterId r:id="rId8"/>
+    <p:handoutMasterId r:id="rId9"/>
   </p:handoutMasterIdLst>
   <p:sldIdLst>
     <p:sldId id="3496" r:id="rId2"/>
     <p:sldId id="3497" r:id="rId3"/>
-    <p:sldId id="3499" r:id="rId4"/>
-    <p:sldId id="3498" r:id="rId5"/>
-    <p:sldId id="3500" r:id="rId6"/>
+    <p:sldId id="3501" r:id="rId4"/>
+    <p:sldId id="3499" r:id="rId5"/>
+    <p:sldId id="3498" r:id="rId6"/>
+    <p:sldId id="3500" r:id="rId7"/>
   </p:sldIdLst>
   <p:sldSz cx="9906000" cy="6858000" type="A4"/>
   <p:notesSz cx="6807200" cy="9939338"/>
@@ -1321,7 +1322,7 @@
     </p:spTree>
     <p:extLst>
       <p:ext uri="{BB962C8B-B14F-4D97-AF65-F5344CB8AC3E}">
-        <p14:creationId xmlns:p14="http://schemas.microsoft.com/office/powerpoint/2010/main" val="492016760"/>
+        <p14:creationId xmlns:p14="http://schemas.microsoft.com/office/powerpoint/2010/main" val="3445910292"/>
       </p:ext>
     </p:extLst>
   </p:cSld>
@@ -1433,7 +1434,7 @@
     </p:spTree>
     <p:extLst>
       <p:ext uri="{BB962C8B-B14F-4D97-AF65-F5344CB8AC3E}">
-        <p14:creationId xmlns:p14="http://schemas.microsoft.com/office/powerpoint/2010/main" val="225640479"/>
+        <p14:creationId xmlns:p14="http://schemas.microsoft.com/office/powerpoint/2010/main" val="492016760"/>
       </p:ext>
     </p:extLst>
   </p:cSld>
@@ -1537,6 +1538,118 @@
                 <a:defRPr/>
               </a:pPr>
               <a:t>4</a:t>
+            </a:fld>
+            <a:endParaRPr lang="en-US" altLang="ko-KR"/>
+          </a:p>
+        </p:txBody>
+      </p:sp>
+    </p:spTree>
+    <p:extLst>
+      <p:ext uri="{BB962C8B-B14F-4D97-AF65-F5344CB8AC3E}">
+        <p14:creationId xmlns:p14="http://schemas.microsoft.com/office/powerpoint/2010/main" val="225640479"/>
+      </p:ext>
+    </p:extLst>
+  </p:cSld>
+  <p:clrMapOvr>
+    <a:masterClrMapping/>
+  </p:clrMapOvr>
+</p:notes>
+</file>
+
+<file path=ppt/notesSlides/notesSlide6.xml><?xml version="1.0" encoding="utf-8"?>
+<p:notes xmlns:a="http://schemas.openxmlformats.org/drawingml/2006/main" xmlns:r="http://schemas.openxmlformats.org/officeDocument/2006/relationships" xmlns:p="http://schemas.openxmlformats.org/presentationml/2006/main">
+  <p:cSld>
+    <p:spTree>
+      <p:nvGrpSpPr>
+        <p:cNvPr id="1" name=""/>
+        <p:cNvGrpSpPr/>
+        <p:nvPr/>
+      </p:nvGrpSpPr>
+      <p:grpSpPr>
+        <a:xfrm>
+          <a:off x="0" y="0"/>
+          <a:ext cx="0" cy="0"/>
+          <a:chOff x="0" y="0"/>
+          <a:chExt cx="0" cy="0"/>
+        </a:xfrm>
+      </p:grpSpPr>
+      <p:sp>
+        <p:nvSpPr>
+          <p:cNvPr id="2" name="Slide Image Placeholder 1"/>
+          <p:cNvSpPr>
+            <a:spLocks noGrp="1" noRot="1" noChangeAspect="1"/>
+          </p:cNvSpPr>
+          <p:nvPr>
+            <p:ph type="sldImg"/>
+          </p:nvPr>
+        </p:nvSpPr>
+        <p:spPr/>
+      </p:sp>
+      <p:sp>
+        <p:nvSpPr>
+          <p:cNvPr id="3" name="Notes Placeholder 2"/>
+          <p:cNvSpPr>
+            <a:spLocks noGrp="1"/>
+          </p:cNvSpPr>
+          <p:nvPr>
+            <p:ph type="body" idx="1"/>
+          </p:nvPr>
+        </p:nvSpPr>
+        <p:spPr/>
+        <p:txBody>
+          <a:bodyPr/>
+          <a:lstStyle/>
+          <a:p>
+            <a:endParaRPr lang="es-PE" dirty="0"/>
+          </a:p>
+        </p:txBody>
+      </p:sp>
+      <p:sp>
+        <p:nvSpPr>
+          <p:cNvPr id="5" name="Footer Placeholder 4"/>
+          <p:cNvSpPr>
+            <a:spLocks noGrp="1"/>
+          </p:cNvSpPr>
+          <p:nvPr>
+            <p:ph type="ftr" sz="quarter" idx="10"/>
+          </p:nvPr>
+        </p:nvSpPr>
+        <p:spPr/>
+        <p:txBody>
+          <a:bodyPr/>
+          <a:lstStyle/>
+          <a:p>
+            <a:pPr>
+              <a:defRPr/>
+            </a:pPr>
+            <a:endParaRPr lang="en-US" altLang="ko-KR"/>
+          </a:p>
+        </p:txBody>
+      </p:sp>
+      <p:sp>
+        <p:nvSpPr>
+          <p:cNvPr id="6" name="Slide Number Placeholder 5"/>
+          <p:cNvSpPr>
+            <a:spLocks noGrp="1"/>
+          </p:cNvSpPr>
+          <p:nvPr>
+            <p:ph type="sldNum" sz="quarter" idx="11"/>
+          </p:nvPr>
+        </p:nvSpPr>
+        <p:spPr/>
+        <p:txBody>
+          <a:bodyPr/>
+          <a:lstStyle/>
+          <a:p>
+            <a:pPr>
+              <a:defRPr/>
+            </a:pPr>
+            <a:fld id="{BF31FCCA-1E47-432D-9574-A2A32471DD5A}" type="slidenum">
+              <a:rPr lang="en-US" altLang="ko-KR" smtClean="0"/>
+              <a:pPr>
+                <a:defRPr/>
+              </a:pPr>
+              <a:t>5</a:t>
             </a:fld>
             <a:endParaRPr lang="en-US" altLang="ko-KR"/>
           </a:p>
@@ -2927,7 +3040,7 @@
       </p:grpSpPr>
       <p:pic>
         <p:nvPicPr>
-          <p:cNvPr id="2" name="Picture 1"/>
+          <p:cNvPr id="7" name="Picture 6"/>
           <p:cNvPicPr>
             <a:picLocks noChangeAspect="1"/>
           </p:cNvPicPr>
@@ -2941,8 +3054,8 @@
         </p:blipFill>
         <p:spPr>
           <a:xfrm>
-            <a:off x="222811" y="1041778"/>
-            <a:ext cx="6408712" cy="3761481"/>
+            <a:off x="185935" y="1179889"/>
+            <a:ext cx="6394506" cy="4087468"/>
           </a:xfrm>
           <a:prstGeom prst="rect">
             <a:avLst/>
@@ -3073,7 +3186,7 @@
         <p:spPr>
           <a:xfrm>
             <a:off x="6769272" y="1874775"/>
-            <a:ext cx="3136728" cy="2677656"/>
+            <a:ext cx="3136728" cy="2308324"/>
           </a:xfrm>
           <a:prstGeom prst="rect">
             <a:avLst/>
@@ -3192,28 +3305,23 @@
                 <a:latin typeface="맑은 고딕" pitchFamily="50" charset="-127"/>
                 <a:ea typeface="맑은 고딕" pitchFamily="50" charset="-127"/>
               </a:rPr>
-              <a:t>En caso no se encuentre en la lista el cliente asociado al </a:t>
-            </a:r>
-            <a:r>
-              <a:rPr lang="es-PE" sz="1200" dirty="0" err="1" smtClean="0">
-                <a:latin typeface="맑은 고딕" pitchFamily="50" charset="-127"/>
-                <a:ea typeface="맑은 고딕" pitchFamily="50" charset="-127"/>
-              </a:rPr>
-              <a:t>po</a:t>
-            </a:r>
+              <a:t>Casilla para agregar nuevos clientes en caso no se encuentren en la lista.</a:t>
+            </a:r>
+            <a:endParaRPr lang="es-PE" sz="1200" b="1" dirty="0" smtClean="0">
+              <a:latin typeface="맑은 고딕" pitchFamily="50" charset="-127"/>
+              <a:ea typeface="맑은 고딕" pitchFamily="50" charset="-127"/>
+            </a:endParaRPr>
+          </a:p>
+          <a:p>
+            <a:pPr marL="228600" indent="-228600">
+              <a:buAutoNum type="arabicPeriod"/>
+            </a:pPr>
             <a:r>
               <a:rPr lang="es-PE" sz="1200" dirty="0" smtClean="0">
                 <a:latin typeface="맑은 고딕" pitchFamily="50" charset="-127"/>
                 <a:ea typeface="맑은 고딕" pitchFamily="50" charset="-127"/>
               </a:rPr>
-              <a:t>, puede marcar esta casilla y se habilitará un campo para escribir manualmente el nombre del cliente. </a:t>
-            </a:r>
-            <a:r>
-              <a:rPr lang="es-PE" sz="1200" b="1" dirty="0" smtClean="0">
-                <a:latin typeface="맑은 고딕" pitchFamily="50" charset="-127"/>
-                <a:ea typeface="맑은 고딕" pitchFamily="50" charset="-127"/>
-              </a:rPr>
-              <a:t>Recuerde reportar la ausencia del cliente para poder incluirlo lo más pronto posible.</a:t>
+              <a:t>En caso se necesite poner en copia al DP, puede marcar las casillas que considere necesarias.</a:t>
             </a:r>
           </a:p>
           <a:p>
@@ -3262,7 +3370,7 @@
         </p:nvSpPr>
         <p:spPr>
           <a:xfrm>
-            <a:off x="344488" y="1936914"/>
+            <a:off x="114018" y="2112768"/>
             <a:ext cx="215900" cy="215900"/>
           </a:xfrm>
           <a:prstGeom prst="ellipse">
@@ -3322,7 +3430,7 @@
         </p:nvSpPr>
         <p:spPr>
           <a:xfrm>
-            <a:off x="3380055" y="1936914"/>
+            <a:off x="3224808" y="2112769"/>
             <a:ext cx="215900" cy="215900"/>
           </a:xfrm>
           <a:prstGeom prst="ellipse">
@@ -3382,7 +3490,7 @@
         </p:nvSpPr>
         <p:spPr>
           <a:xfrm>
-            <a:off x="344488" y="2568429"/>
+            <a:off x="114018" y="2853060"/>
             <a:ext cx="215900" cy="215900"/>
           </a:xfrm>
           <a:prstGeom prst="ellipse">
@@ -3442,7 +3550,7 @@
         </p:nvSpPr>
         <p:spPr>
           <a:xfrm>
-            <a:off x="2720752" y="2273513"/>
+            <a:off x="2434731" y="2503705"/>
             <a:ext cx="215900" cy="201433"/>
           </a:xfrm>
           <a:prstGeom prst="ellipse">
@@ -3502,7 +3610,7 @@
         </p:nvSpPr>
         <p:spPr>
           <a:xfrm>
-            <a:off x="344488" y="3263849"/>
+            <a:off x="3224932" y="2853060"/>
             <a:ext cx="215900" cy="215900"/>
           </a:xfrm>
           <a:prstGeom prst="ellipse">
@@ -3562,7 +3670,7 @@
         </p:nvSpPr>
         <p:spPr>
           <a:xfrm>
-            <a:off x="344488" y="3925604"/>
+            <a:off x="128589" y="3356992"/>
             <a:ext cx="215900" cy="215900"/>
           </a:xfrm>
           <a:prstGeom prst="ellipse">
@@ -3614,39 +3722,15 @@
           </a:p>
         </p:txBody>
       </p:sp>
-      <p:pic>
-        <p:nvPicPr>
-          <p:cNvPr id="6" name="Picture 5"/>
-          <p:cNvPicPr>
-            <a:picLocks noChangeAspect="1"/>
-          </p:cNvPicPr>
-          <p:nvPr/>
-        </p:nvPicPr>
-        <p:blipFill>
-          <a:blip r:embed="rId4"/>
-          <a:stretch>
-            <a:fillRect/>
-          </a:stretch>
-        </p:blipFill>
-        <p:spPr>
-          <a:xfrm>
-            <a:off x="1867616" y="5219222"/>
-            <a:ext cx="3119101" cy="679894"/>
-          </a:xfrm>
-          <a:prstGeom prst="rect">
-            <a:avLst/>
-          </a:prstGeom>
-        </p:spPr>
-      </p:pic>
-      <p:sp>
-        <p:nvSpPr>
-          <p:cNvPr id="19" name="타원 73"/>
+      <p:sp>
+        <p:nvSpPr>
+          <p:cNvPr id="20" name="타원 73"/>
           <p:cNvSpPr/>
           <p:nvPr/>
         </p:nvSpPr>
         <p:spPr>
           <a:xfrm>
-            <a:off x="3275238" y="5315492"/>
+            <a:off x="128464" y="4293220"/>
             <a:ext cx="215900" cy="215900"/>
           </a:xfrm>
           <a:prstGeom prst="ellipse">
@@ -3689,7 +3773,7 @@
                 <a:latin typeface="맑은 고딕" pitchFamily="50" charset="-127"/>
                 <a:ea typeface="맑은 고딕" pitchFamily="50" charset="-127"/>
               </a:rPr>
-              <a:t>4</a:t>
+              <a:t>7</a:t>
             </a:r>
             <a:endParaRPr lang="ko-KR" altLang="en-US" sz="1400" b="1" dirty="0">
               <a:latin typeface="맑은 고딕" pitchFamily="50" charset="-127"/>
@@ -3700,13 +3784,88 @@
       </p:sp>
       <p:sp>
         <p:nvSpPr>
-          <p:cNvPr id="20" name="타원 73"/>
+          <p:cNvPr id="21" name="Rounded Rectangle 20"/>
           <p:cNvSpPr/>
           <p:nvPr/>
         </p:nvSpPr>
+        <p:spPr bwMode="auto">
+          <a:xfrm>
+            <a:off x="2720751" y="2474945"/>
+            <a:ext cx="648073" cy="248215"/>
+          </a:xfrm>
+          <a:prstGeom prst="roundRect">
+            <a:avLst/>
+          </a:prstGeom>
+          <a:noFill/>
+          <a:ln>
+            <a:solidFill>
+              <a:srgbClr val="FF0000"/>
+            </a:solidFill>
+            <a:headEnd type="none" w="med" len="med"/>
+            <a:tailEnd type="none" w="med" len="med"/>
+          </a:ln>
+        </p:spPr>
+        <p:style>
+          <a:lnRef idx="2">
+            <a:schemeClr val="accent2"/>
+          </a:lnRef>
+          <a:fillRef idx="1">
+            <a:schemeClr val="lt1"/>
+          </a:fillRef>
+          <a:effectRef idx="0">
+            <a:schemeClr val="accent2"/>
+          </a:effectRef>
+          <a:fontRef idx="minor">
+            <a:schemeClr val="dk1"/>
+          </a:fontRef>
+        </p:style>
+        <p:txBody>
+          <a:bodyPr vert="horz" wrap="none" lIns="91440" tIns="45720" rIns="91440" bIns="45720" numCol="1" rtlCol="0" anchor="ctr" anchorCtr="0" compatLnSpc="1">
+            <a:prstTxWarp prst="textNoShape">
+              <a:avLst/>
+            </a:prstTxWarp>
+          </a:bodyPr>
+          <a:lstStyle/>
+          <a:p>
+            <a:pPr marL="0" marR="0" indent="0" algn="ctr" defTabSz="914400" rtl="0" eaLnBrk="0" fontAlgn="base" latinLnBrk="0" hangingPunct="0">
+              <a:lnSpc>
+                <a:spcPct val="90000"/>
+              </a:lnSpc>
+              <a:spcBef>
+                <a:spcPct val="20000"/>
+              </a:spcBef>
+              <a:spcAft>
+                <a:spcPct val="0"/>
+              </a:spcAft>
+              <a:buClrTx/>
+              <a:buSzTx/>
+              <a:buFontTx/>
+              <a:buNone/>
+              <a:tabLst/>
+            </a:pPr>
+            <a:endParaRPr kumimoji="1" lang="en-US" sz="1000" b="0" i="0" u="none" strike="noStrike" cap="none" normalizeH="0" baseline="0">
+              <a:ln>
+                <a:noFill/>
+              </a:ln>
+              <a:solidFill>
+                <a:srgbClr val="000000"/>
+              </a:solidFill>
+              <a:effectLst/>
+              <a:latin typeface="Century Gothic" pitchFamily="34" charset="0"/>
+              <a:ea typeface="굴림" pitchFamily="50" charset="-127"/>
+            </a:endParaRPr>
+          </a:p>
+        </p:txBody>
+      </p:sp>
+      <p:sp>
+        <p:nvSpPr>
+          <p:cNvPr id="22" name="타원 73"/>
+          <p:cNvSpPr/>
+          <p:nvPr/>
+        </p:nvSpPr>
         <p:spPr>
           <a:xfrm>
-            <a:off x="344488" y="4444481"/>
+            <a:off x="3249882" y="4752646"/>
             <a:ext cx="215900" cy="215900"/>
           </a:xfrm>
           <a:prstGeom prst="ellipse">
@@ -3749,7 +3908,7 @@
                 <a:latin typeface="맑은 고딕" pitchFamily="50" charset="-127"/>
                 <a:ea typeface="맑은 고딕" pitchFamily="50" charset="-127"/>
               </a:rPr>
-              <a:t>7</a:t>
+              <a:t>8</a:t>
             </a:r>
             <a:endParaRPr lang="ko-KR" altLang="en-US" sz="1400" b="1" dirty="0">
               <a:latin typeface="맑은 고딕" pitchFamily="50" charset="-127"/>
@@ -3790,7 +3949,7 @@
       </p:grpSpPr>
       <p:pic>
         <p:nvPicPr>
-          <p:cNvPr id="6" name="Picture 5"/>
+          <p:cNvPr id="8" name="Picture 7"/>
           <p:cNvPicPr>
             <a:picLocks noChangeAspect="1"/>
           </p:cNvPicPr>
@@ -3804,8 +3963,763 @@
         </p:blipFill>
         <p:spPr>
           <a:xfrm>
-            <a:off x="286404" y="4324350"/>
-            <a:ext cx="6409468" cy="1790700"/>
+            <a:off x="302715" y="1129754"/>
+            <a:ext cx="3066109" cy="3016254"/>
+          </a:xfrm>
+          <a:prstGeom prst="rect">
+            <a:avLst/>
+          </a:prstGeom>
+        </p:spPr>
+      </p:pic>
+      <p:sp>
+        <p:nvSpPr>
+          <p:cNvPr id="5" name="제목 4"/>
+          <p:cNvSpPr>
+            <a:spLocks noGrp="1"/>
+          </p:cNvSpPr>
+          <p:nvPr>
+            <p:ph type="title"/>
+          </p:nvPr>
+        </p:nvSpPr>
+        <p:spPr/>
+        <p:txBody>
+          <a:bodyPr/>
+          <a:lstStyle/>
+          <a:p>
+            <a:r>
+              <a:rPr lang="en-US" altLang="ko-KR" dirty="0"/>
+              <a:t>PO Management – Pages</a:t>
+            </a:r>
+            <a:endParaRPr lang="ko-KR" altLang="en-US" dirty="0"/>
+          </a:p>
+        </p:txBody>
+      </p:sp>
+      <p:sp>
+        <p:nvSpPr>
+          <p:cNvPr id="33" name="모서리가 둥근 직사각형 32"/>
+          <p:cNvSpPr/>
+          <p:nvPr/>
+        </p:nvSpPr>
+        <p:spPr bwMode="auto">
+          <a:xfrm>
+            <a:off x="85062" y="908720"/>
+            <a:ext cx="6380106" cy="5566706"/>
+          </a:xfrm>
+          <a:prstGeom prst="roundRect">
+            <a:avLst>
+              <a:gd name="adj" fmla="val 1576"/>
+            </a:avLst>
+          </a:prstGeom>
+          <a:noFill/>
+          <a:ln w="3175" cap="flat" cmpd="sng" algn="ctr">
+            <a:solidFill>
+              <a:schemeClr val="bg1">
+                <a:lumMod val="85000"/>
+              </a:schemeClr>
+            </a:solidFill>
+            <a:prstDash val="solid"/>
+            <a:round/>
+            <a:headEnd type="none" w="med" len="med"/>
+            <a:tailEnd type="none" w="med" len="med"/>
+          </a:ln>
+          <a:effectLst/>
+        </p:spPr>
+        <p:txBody>
+          <a:bodyPr/>
+          <a:lstStyle/>
+          <a:p>
+            <a:pPr algn="ctr">
+              <a:defRPr/>
+            </a:pPr>
+            <a:endParaRPr lang="ko-KR" altLang="en-US" sz="1400">
+              <a:solidFill>
+                <a:srgbClr val="3333CC"/>
+              </a:solidFill>
+              <a:ea typeface="돋움" pitchFamily="50" charset="-127"/>
+            </a:endParaRPr>
+          </a:p>
+        </p:txBody>
+      </p:sp>
+      <p:sp>
+        <p:nvSpPr>
+          <p:cNvPr id="16" name="모서리가 둥근 직사각형 60"/>
+          <p:cNvSpPr/>
+          <p:nvPr/>
+        </p:nvSpPr>
+        <p:spPr bwMode="auto">
+          <a:xfrm>
+            <a:off x="6619972" y="908720"/>
+            <a:ext cx="3215908" cy="5570984"/>
+          </a:xfrm>
+          <a:prstGeom prst="roundRect">
+            <a:avLst>
+              <a:gd name="adj" fmla="val 1576"/>
+            </a:avLst>
+          </a:prstGeom>
+          <a:noFill/>
+          <a:ln w="3175" cap="flat" cmpd="sng" algn="ctr">
+            <a:solidFill>
+              <a:schemeClr val="bg1">
+                <a:lumMod val="85000"/>
+              </a:schemeClr>
+            </a:solidFill>
+            <a:prstDash val="solid"/>
+            <a:round/>
+            <a:headEnd type="none" w="med" len="med"/>
+            <a:tailEnd type="none" w="med" len="med"/>
+          </a:ln>
+          <a:effectLst/>
+        </p:spPr>
+        <p:txBody>
+          <a:bodyPr/>
+          <a:lstStyle/>
+          <a:p>
+            <a:pPr algn="ctr">
+              <a:defRPr/>
+            </a:pPr>
+            <a:endParaRPr lang="ko-KR" altLang="en-US" sz="1400">
+              <a:solidFill>
+                <a:srgbClr val="3333CC"/>
+              </a:solidFill>
+              <a:ea typeface="돋움" pitchFamily="50" charset="-127"/>
+            </a:endParaRPr>
+          </a:p>
+        </p:txBody>
+      </p:sp>
+      <p:sp>
+        <p:nvSpPr>
+          <p:cNvPr id="4" name="TextBox 3"/>
+          <p:cNvSpPr txBox="1"/>
+          <p:nvPr/>
+        </p:nvSpPr>
+        <p:spPr>
+          <a:xfrm>
+            <a:off x="6619973" y="1874775"/>
+            <a:ext cx="3215907" cy="3046988"/>
+          </a:xfrm>
+          <a:prstGeom prst="rect">
+            <a:avLst/>
+          </a:prstGeom>
+          <a:noFill/>
+        </p:spPr>
+        <p:txBody>
+          <a:bodyPr wrap="square" rtlCol="0">
+            <a:spAutoFit/>
+          </a:bodyPr>
+          <a:lstStyle/>
+          <a:p>
+            <a:r>
+              <a:rPr lang="es-PE" sz="1200" b="1" dirty="0" err="1" smtClean="0">
+                <a:latin typeface="맑은 고딕" pitchFamily="50" charset="-127"/>
+                <a:ea typeface="맑은 고딕" pitchFamily="50" charset="-127"/>
+              </a:rPr>
+              <a:t>Submission</a:t>
+            </a:r>
+            <a:r>
+              <a:rPr lang="es-PE" sz="1200" b="1" dirty="0" smtClean="0">
+                <a:latin typeface="맑은 고딕" pitchFamily="50" charset="-127"/>
+                <a:ea typeface="맑은 고딕" pitchFamily="50" charset="-127"/>
+              </a:rPr>
+              <a:t> </a:t>
+            </a:r>
+            <a:r>
+              <a:rPr lang="es-PE" sz="1200" b="1" dirty="0" err="1" smtClean="0">
+                <a:latin typeface="맑은 고딕" pitchFamily="50" charset="-127"/>
+                <a:ea typeface="맑은 고딕" pitchFamily="50" charset="-127"/>
+              </a:rPr>
+              <a:t>Form</a:t>
+            </a:r>
+            <a:r>
+              <a:rPr lang="es-PE" sz="1200" b="1" dirty="0" smtClean="0">
+                <a:latin typeface="맑은 고딕" pitchFamily="50" charset="-127"/>
+                <a:ea typeface="맑은 고딕" pitchFamily="50" charset="-127"/>
+              </a:rPr>
+              <a:t>:</a:t>
+            </a:r>
+          </a:p>
+          <a:p>
+            <a:endParaRPr lang="es-PE" sz="1200" b="1" dirty="0">
+              <a:latin typeface="맑은 고딕" pitchFamily="50" charset="-127"/>
+              <a:ea typeface="맑은 고딕" pitchFamily="50" charset="-127"/>
+            </a:endParaRPr>
+          </a:p>
+          <a:p>
+            <a:r>
+              <a:rPr lang="es-PE" sz="1200" b="1" dirty="0" smtClean="0">
+                <a:latin typeface="맑은 고딕" pitchFamily="50" charset="-127"/>
+                <a:ea typeface="맑은 고딕" pitchFamily="50" charset="-127"/>
+              </a:rPr>
+              <a:t>3. </a:t>
+            </a:r>
+            <a:r>
+              <a:rPr lang="es-PE" sz="1200" dirty="0" smtClean="0">
+                <a:latin typeface="맑은 고딕" pitchFamily="50" charset="-127"/>
+                <a:ea typeface="맑은 고딕" pitchFamily="50" charset="-127"/>
+              </a:rPr>
+              <a:t>Seleccionar </a:t>
+            </a:r>
+            <a:r>
+              <a:rPr lang="es-PE" sz="1200" dirty="0" err="1" smtClean="0">
+                <a:latin typeface="맑은 고딕" pitchFamily="50" charset="-127"/>
+                <a:ea typeface="맑은 고딕" pitchFamily="50" charset="-127"/>
+              </a:rPr>
+              <a:t>customer</a:t>
+            </a:r>
+            <a:r>
+              <a:rPr lang="es-PE" sz="1200" dirty="0" smtClean="0">
+                <a:latin typeface="맑은 고딕" pitchFamily="50" charset="-127"/>
+                <a:ea typeface="맑은 고딕" pitchFamily="50" charset="-127"/>
+              </a:rPr>
+              <a:t>.</a:t>
+            </a:r>
+          </a:p>
+          <a:p>
+            <a:pPr marL="228600" indent="-228600">
+              <a:buFont typeface="+mj-lt"/>
+              <a:buAutoNum type="alphaLcParenR"/>
+            </a:pPr>
+            <a:r>
+              <a:rPr lang="es-PE" sz="1200" dirty="0" smtClean="0">
+                <a:latin typeface="맑은 고딕" pitchFamily="50" charset="-127"/>
+                <a:ea typeface="맑은 고딕" pitchFamily="50" charset="-127"/>
+              </a:rPr>
+              <a:t>En este campo, se puede escribir el cliente a buscar y se irá filtrando entre la lista total hasta encontrar el correcto como se puede observar en la segunda imagen.</a:t>
+            </a:r>
+          </a:p>
+          <a:p>
+            <a:pPr marL="228600" indent="-228600">
+              <a:buFont typeface="+mj-lt"/>
+              <a:buAutoNum type="alphaLcParenR"/>
+            </a:pPr>
+            <a:r>
+              <a:rPr lang="es-PE" sz="1200" dirty="0" smtClean="0">
+                <a:latin typeface="맑은 고딕" pitchFamily="50" charset="-127"/>
+                <a:ea typeface="맑은 고딕" pitchFamily="50" charset="-127"/>
+              </a:rPr>
+              <a:t>Lista completa de todo los clientes para el registro de los PO.</a:t>
+            </a:r>
+          </a:p>
+          <a:p>
+            <a:r>
+              <a:rPr lang="es-PE" sz="1200" dirty="0" smtClean="0">
+                <a:latin typeface="맑은 고딕" pitchFamily="50" charset="-127"/>
+                <a:ea typeface="맑은 고딕" pitchFamily="50" charset="-127"/>
+              </a:rPr>
+              <a:t>4. </a:t>
+            </a:r>
+            <a:r>
+              <a:rPr lang="es-PE" sz="1200" dirty="0">
+                <a:latin typeface="맑은 고딕" pitchFamily="50" charset="-127"/>
+                <a:ea typeface="맑은 고딕" pitchFamily="50" charset="-127"/>
+              </a:rPr>
+              <a:t>En caso no se encuentre en la lista el cliente asociado al </a:t>
+            </a:r>
+            <a:r>
+              <a:rPr lang="es-PE" sz="1200" dirty="0" err="1">
+                <a:latin typeface="맑은 고딕" pitchFamily="50" charset="-127"/>
+                <a:ea typeface="맑은 고딕" pitchFamily="50" charset="-127"/>
+              </a:rPr>
+              <a:t>po</a:t>
+            </a:r>
+            <a:r>
+              <a:rPr lang="es-PE" sz="1200" dirty="0">
+                <a:latin typeface="맑은 고딕" pitchFamily="50" charset="-127"/>
+                <a:ea typeface="맑은 고딕" pitchFamily="50" charset="-127"/>
+              </a:rPr>
+              <a:t>, puede marcar esta casilla y se habilitará un campo para escribir manualmente el nombre del cliente. </a:t>
+            </a:r>
+            <a:r>
+              <a:rPr lang="es-PE" sz="1200" b="1" dirty="0">
+                <a:latin typeface="맑은 고딕" pitchFamily="50" charset="-127"/>
+                <a:ea typeface="맑은 고딕" pitchFamily="50" charset="-127"/>
+              </a:rPr>
+              <a:t>Recuerde reportar la ausencia del cliente para poder incluirlo lo más pronto posible</a:t>
+            </a:r>
+            <a:r>
+              <a:rPr lang="es-PE" sz="1200" b="1" dirty="0" smtClean="0">
+                <a:latin typeface="맑은 고딕" pitchFamily="50" charset="-127"/>
+                <a:ea typeface="맑은 고딕" pitchFamily="50" charset="-127"/>
+              </a:rPr>
+              <a:t>.</a:t>
+            </a:r>
+            <a:endParaRPr lang="es-PE" sz="1200" b="1" dirty="0">
+              <a:latin typeface="맑은 고딕" pitchFamily="50" charset="-127"/>
+              <a:ea typeface="맑은 고딕" pitchFamily="50" charset="-127"/>
+            </a:endParaRPr>
+          </a:p>
+        </p:txBody>
+      </p:sp>
+      <p:sp>
+        <p:nvSpPr>
+          <p:cNvPr id="13" name="타원 73"/>
+          <p:cNvSpPr/>
+          <p:nvPr/>
+        </p:nvSpPr>
+        <p:spPr>
+          <a:xfrm>
+            <a:off x="1712702" y="982542"/>
+            <a:ext cx="215900" cy="215900"/>
+          </a:xfrm>
+          <a:prstGeom prst="ellipse">
+            <a:avLst/>
+          </a:prstGeom>
+          <a:solidFill>
+            <a:srgbClr val="C00000"/>
+          </a:solidFill>
+          <a:ln>
+            <a:solidFill>
+              <a:srgbClr val="C00000"/>
+            </a:solidFill>
+          </a:ln>
+        </p:spPr>
+        <p:style>
+          <a:lnRef idx="2">
+            <a:schemeClr val="accent1">
+              <a:shade val="50000"/>
+            </a:schemeClr>
+          </a:lnRef>
+          <a:fillRef idx="1">
+            <a:schemeClr val="accent1"/>
+          </a:fillRef>
+          <a:effectRef idx="0">
+            <a:schemeClr val="accent1"/>
+          </a:effectRef>
+          <a:fontRef idx="minor">
+            <a:schemeClr val="lt1"/>
+          </a:fontRef>
+        </p:style>
+        <p:txBody>
+          <a:bodyPr anchor="ctr"/>
+          <a:lstStyle/>
+          <a:p>
+            <a:pPr algn="ctr" eaLnBrk="1" latinLnBrk="1" hangingPunct="1">
+              <a:defRPr/>
+            </a:pPr>
+            <a:r>
+              <a:rPr lang="en-US" altLang="ko-KR" sz="1400" b="1" dirty="0" smtClean="0">
+                <a:latin typeface="맑은 고딕" pitchFamily="50" charset="-127"/>
+                <a:ea typeface="맑은 고딕" pitchFamily="50" charset="-127"/>
+              </a:rPr>
+              <a:t>3</a:t>
+            </a:r>
+            <a:endParaRPr lang="ko-KR" altLang="en-US" sz="1400" b="1" dirty="0">
+              <a:latin typeface="맑은 고딕" pitchFamily="50" charset="-127"/>
+              <a:ea typeface="맑은 고딕" pitchFamily="50" charset="-127"/>
+            </a:endParaRPr>
+          </a:p>
+        </p:txBody>
+      </p:sp>
+      <p:sp>
+        <p:nvSpPr>
+          <p:cNvPr id="14" name="타원 73"/>
+          <p:cNvSpPr/>
+          <p:nvPr/>
+        </p:nvSpPr>
+        <p:spPr>
+          <a:xfrm>
+            <a:off x="194765" y="2354933"/>
+            <a:ext cx="215900" cy="201433"/>
+          </a:xfrm>
+          <a:prstGeom prst="ellipse">
+            <a:avLst/>
+          </a:prstGeom>
+          <a:solidFill>
+            <a:srgbClr val="C00000"/>
+          </a:solidFill>
+          <a:ln>
+            <a:solidFill>
+              <a:srgbClr val="C00000"/>
+            </a:solidFill>
+          </a:ln>
+        </p:spPr>
+        <p:style>
+          <a:lnRef idx="2">
+            <a:schemeClr val="accent1">
+              <a:shade val="50000"/>
+            </a:schemeClr>
+          </a:lnRef>
+          <a:fillRef idx="1">
+            <a:schemeClr val="accent1"/>
+          </a:fillRef>
+          <a:effectRef idx="0">
+            <a:schemeClr val="accent1"/>
+          </a:effectRef>
+          <a:fontRef idx="minor">
+            <a:schemeClr val="lt1"/>
+          </a:fontRef>
+        </p:style>
+        <p:txBody>
+          <a:bodyPr anchor="ctr"/>
+          <a:lstStyle/>
+          <a:p>
+            <a:pPr algn="ctr" eaLnBrk="1" latinLnBrk="1" hangingPunct="1">
+              <a:defRPr/>
+            </a:pPr>
+            <a:r>
+              <a:rPr lang="en-US" altLang="ko-KR" sz="1400" b="1" dirty="0" smtClean="0">
+                <a:latin typeface="맑은 고딕" pitchFamily="50" charset="-127"/>
+                <a:ea typeface="맑은 고딕" pitchFamily="50" charset="-127"/>
+              </a:rPr>
+              <a:t>b</a:t>
+            </a:r>
+            <a:endParaRPr lang="ko-KR" altLang="en-US" sz="1400" b="1" dirty="0">
+              <a:latin typeface="맑은 고딕" pitchFamily="50" charset="-127"/>
+              <a:ea typeface="맑은 고딕" pitchFamily="50" charset="-127"/>
+            </a:endParaRPr>
+          </a:p>
+        </p:txBody>
+      </p:sp>
+      <p:pic>
+        <p:nvPicPr>
+          <p:cNvPr id="6" name="Picture 5"/>
+          <p:cNvPicPr>
+            <a:picLocks noChangeAspect="1"/>
+          </p:cNvPicPr>
+          <p:nvPr/>
+        </p:nvPicPr>
+        <p:blipFill>
+          <a:blip r:embed="rId4"/>
+          <a:stretch>
+            <a:fillRect/>
+          </a:stretch>
+        </p:blipFill>
+        <p:spPr>
+          <a:xfrm>
+            <a:off x="1794824" y="4905319"/>
+            <a:ext cx="3119101" cy="679894"/>
+          </a:xfrm>
+          <a:prstGeom prst="rect">
+            <a:avLst/>
+          </a:prstGeom>
+        </p:spPr>
+      </p:pic>
+      <p:sp>
+        <p:nvSpPr>
+          <p:cNvPr id="19" name="타원 73"/>
+          <p:cNvSpPr/>
+          <p:nvPr/>
+        </p:nvSpPr>
+        <p:spPr>
+          <a:xfrm>
+            <a:off x="3244788" y="4778383"/>
+            <a:ext cx="215900" cy="215900"/>
+          </a:xfrm>
+          <a:prstGeom prst="ellipse">
+            <a:avLst/>
+          </a:prstGeom>
+          <a:solidFill>
+            <a:srgbClr val="C00000"/>
+          </a:solidFill>
+          <a:ln>
+            <a:solidFill>
+              <a:srgbClr val="C00000"/>
+            </a:solidFill>
+          </a:ln>
+        </p:spPr>
+        <p:style>
+          <a:lnRef idx="2">
+            <a:schemeClr val="accent1">
+              <a:shade val="50000"/>
+            </a:schemeClr>
+          </a:lnRef>
+          <a:fillRef idx="1">
+            <a:schemeClr val="accent1"/>
+          </a:fillRef>
+          <a:effectRef idx="0">
+            <a:schemeClr val="accent1"/>
+          </a:effectRef>
+          <a:fontRef idx="minor">
+            <a:schemeClr val="lt1"/>
+          </a:fontRef>
+        </p:style>
+        <p:txBody>
+          <a:bodyPr anchor="ctr"/>
+          <a:lstStyle/>
+          <a:p>
+            <a:pPr algn="ctr" eaLnBrk="1" latinLnBrk="1" hangingPunct="1">
+              <a:defRPr/>
+            </a:pPr>
+            <a:r>
+              <a:rPr lang="en-US" altLang="ko-KR" sz="1400" b="1" dirty="0" smtClean="0">
+                <a:latin typeface="맑은 고딕" pitchFamily="50" charset="-127"/>
+                <a:ea typeface="맑은 고딕" pitchFamily="50" charset="-127"/>
+              </a:rPr>
+              <a:t>4</a:t>
+            </a:r>
+            <a:endParaRPr lang="ko-KR" altLang="en-US" sz="1400" b="1" dirty="0">
+              <a:latin typeface="맑은 고딕" pitchFamily="50" charset="-127"/>
+              <a:ea typeface="맑은 고딕" pitchFamily="50" charset="-127"/>
+            </a:endParaRPr>
+          </a:p>
+        </p:txBody>
+      </p:sp>
+      <p:sp>
+        <p:nvSpPr>
+          <p:cNvPr id="21" name="Rounded Rectangle 20"/>
+          <p:cNvSpPr/>
+          <p:nvPr/>
+        </p:nvSpPr>
+        <p:spPr bwMode="auto">
+          <a:xfrm>
+            <a:off x="344488" y="1678002"/>
+            <a:ext cx="2952328" cy="485817"/>
+          </a:xfrm>
+          <a:prstGeom prst="roundRect">
+            <a:avLst/>
+          </a:prstGeom>
+          <a:noFill/>
+          <a:ln>
+            <a:solidFill>
+              <a:srgbClr val="FF0000"/>
+            </a:solidFill>
+            <a:headEnd type="none" w="med" len="med"/>
+            <a:tailEnd type="none" w="med" len="med"/>
+          </a:ln>
+        </p:spPr>
+        <p:style>
+          <a:lnRef idx="2">
+            <a:schemeClr val="accent2"/>
+          </a:lnRef>
+          <a:fillRef idx="1">
+            <a:schemeClr val="lt1"/>
+          </a:fillRef>
+          <a:effectRef idx="0">
+            <a:schemeClr val="accent2"/>
+          </a:effectRef>
+          <a:fontRef idx="minor">
+            <a:schemeClr val="dk1"/>
+          </a:fontRef>
+        </p:style>
+        <p:txBody>
+          <a:bodyPr vert="horz" wrap="none" lIns="91440" tIns="45720" rIns="91440" bIns="45720" numCol="1" rtlCol="0" anchor="ctr" anchorCtr="0" compatLnSpc="1">
+            <a:prstTxWarp prst="textNoShape">
+              <a:avLst/>
+            </a:prstTxWarp>
+          </a:bodyPr>
+          <a:lstStyle/>
+          <a:p>
+            <a:pPr marL="0" marR="0" indent="0" algn="ctr" defTabSz="914400" rtl="0" eaLnBrk="0" fontAlgn="base" latinLnBrk="0" hangingPunct="0">
+              <a:lnSpc>
+                <a:spcPct val="90000"/>
+              </a:lnSpc>
+              <a:spcBef>
+                <a:spcPct val="20000"/>
+              </a:spcBef>
+              <a:spcAft>
+                <a:spcPct val="0"/>
+              </a:spcAft>
+              <a:buClrTx/>
+              <a:buSzTx/>
+              <a:buFontTx/>
+              <a:buNone/>
+              <a:tabLst/>
+            </a:pPr>
+            <a:endParaRPr kumimoji="1" lang="en-US" sz="1000" b="0" i="0" u="none" strike="noStrike" cap="none" normalizeH="0" baseline="0">
+              <a:ln>
+                <a:noFill/>
+              </a:ln>
+              <a:solidFill>
+                <a:srgbClr val="000000"/>
+              </a:solidFill>
+              <a:effectLst/>
+              <a:latin typeface="Century Gothic" pitchFamily="34" charset="0"/>
+              <a:ea typeface="굴림" pitchFamily="50" charset="-127"/>
+            </a:endParaRPr>
+          </a:p>
+        </p:txBody>
+      </p:sp>
+      <p:pic>
+        <p:nvPicPr>
+          <p:cNvPr id="3" name="Picture 2"/>
+          <p:cNvPicPr>
+            <a:picLocks noChangeAspect="1"/>
+          </p:cNvPicPr>
+          <p:nvPr/>
+        </p:nvPicPr>
+        <p:blipFill>
+          <a:blip r:embed="rId5"/>
+          <a:stretch>
+            <a:fillRect/>
+          </a:stretch>
+        </p:blipFill>
+        <p:spPr>
+          <a:xfrm>
+            <a:off x="3571062" y="1874775"/>
+            <a:ext cx="2744806" cy="1412660"/>
+          </a:xfrm>
+          <a:prstGeom prst="rect">
+            <a:avLst/>
+          </a:prstGeom>
+        </p:spPr>
+      </p:pic>
+      <p:sp>
+        <p:nvSpPr>
+          <p:cNvPr id="23" name="타원 73"/>
+          <p:cNvSpPr/>
+          <p:nvPr/>
+        </p:nvSpPr>
+        <p:spPr>
+          <a:xfrm>
+            <a:off x="4835515" y="1812960"/>
+            <a:ext cx="215900" cy="215900"/>
+          </a:xfrm>
+          <a:prstGeom prst="ellipse">
+            <a:avLst/>
+          </a:prstGeom>
+          <a:solidFill>
+            <a:srgbClr val="C00000"/>
+          </a:solidFill>
+          <a:ln>
+            <a:solidFill>
+              <a:srgbClr val="C00000"/>
+            </a:solidFill>
+          </a:ln>
+        </p:spPr>
+        <p:style>
+          <a:lnRef idx="2">
+            <a:schemeClr val="accent1">
+              <a:shade val="50000"/>
+            </a:schemeClr>
+          </a:lnRef>
+          <a:fillRef idx="1">
+            <a:schemeClr val="accent1"/>
+          </a:fillRef>
+          <a:effectRef idx="0">
+            <a:schemeClr val="accent1"/>
+          </a:effectRef>
+          <a:fontRef idx="minor">
+            <a:schemeClr val="lt1"/>
+          </a:fontRef>
+        </p:style>
+        <p:txBody>
+          <a:bodyPr anchor="ctr"/>
+          <a:lstStyle/>
+          <a:p>
+            <a:pPr algn="ctr" eaLnBrk="1" latinLnBrk="1" hangingPunct="1">
+              <a:defRPr/>
+            </a:pPr>
+            <a:r>
+              <a:rPr lang="en-US" altLang="ko-KR" sz="1400" b="1" dirty="0" smtClean="0">
+                <a:latin typeface="맑은 고딕" pitchFamily="50" charset="-127"/>
+                <a:ea typeface="맑은 고딕" pitchFamily="50" charset="-127"/>
+              </a:rPr>
+              <a:t>a</a:t>
+            </a:r>
+            <a:endParaRPr lang="ko-KR" altLang="en-US" sz="1400" b="1" dirty="0">
+              <a:latin typeface="맑은 고딕" pitchFamily="50" charset="-127"/>
+              <a:ea typeface="맑은 고딕" pitchFamily="50" charset="-127"/>
+            </a:endParaRPr>
+          </a:p>
+        </p:txBody>
+      </p:sp>
+      <p:sp>
+        <p:nvSpPr>
+          <p:cNvPr id="17" name="타원 73"/>
+          <p:cNvSpPr/>
+          <p:nvPr/>
+        </p:nvSpPr>
+        <p:spPr>
+          <a:xfrm>
+            <a:off x="194765" y="1615301"/>
+            <a:ext cx="215900" cy="215900"/>
+          </a:xfrm>
+          <a:prstGeom prst="ellipse">
+            <a:avLst/>
+          </a:prstGeom>
+          <a:solidFill>
+            <a:srgbClr val="C00000"/>
+          </a:solidFill>
+          <a:ln>
+            <a:solidFill>
+              <a:srgbClr val="C00000"/>
+            </a:solidFill>
+          </a:ln>
+        </p:spPr>
+        <p:style>
+          <a:lnRef idx="2">
+            <a:schemeClr val="accent1">
+              <a:shade val="50000"/>
+            </a:schemeClr>
+          </a:lnRef>
+          <a:fillRef idx="1">
+            <a:schemeClr val="accent1"/>
+          </a:fillRef>
+          <a:effectRef idx="0">
+            <a:schemeClr val="accent1"/>
+          </a:effectRef>
+          <a:fontRef idx="minor">
+            <a:schemeClr val="lt1"/>
+          </a:fontRef>
+        </p:style>
+        <p:txBody>
+          <a:bodyPr anchor="ctr"/>
+          <a:lstStyle/>
+          <a:p>
+            <a:pPr algn="ctr" eaLnBrk="1" latinLnBrk="1" hangingPunct="1">
+              <a:defRPr/>
+            </a:pPr>
+            <a:r>
+              <a:rPr lang="en-US" altLang="ko-KR" sz="1400" b="1" dirty="0" smtClean="0">
+                <a:latin typeface="맑은 고딕" pitchFamily="50" charset="-127"/>
+                <a:ea typeface="맑은 고딕" pitchFamily="50" charset="-127"/>
+              </a:rPr>
+              <a:t>a</a:t>
+            </a:r>
+            <a:endParaRPr lang="ko-KR" altLang="en-US" sz="1400" b="1" dirty="0">
+              <a:latin typeface="맑은 고딕" pitchFamily="50" charset="-127"/>
+              <a:ea typeface="맑은 고딕" pitchFamily="50" charset="-127"/>
+            </a:endParaRPr>
+          </a:p>
+        </p:txBody>
+      </p:sp>
+    </p:spTree>
+    <p:extLst>
+      <p:ext uri="{BB962C8B-B14F-4D97-AF65-F5344CB8AC3E}">
+        <p14:creationId xmlns:p14="http://schemas.microsoft.com/office/powerpoint/2010/main" val="1033802529"/>
+      </p:ext>
+    </p:extLst>
+  </p:cSld>
+  <p:clrMapOvr>
+    <a:masterClrMapping/>
+  </p:clrMapOvr>
+</p:sld>
+</file>
+
+<file path=ppt/slides/slide4.xml><?xml version="1.0" encoding="utf-8"?>
+<p:sld xmlns:a="http://schemas.openxmlformats.org/drawingml/2006/main" xmlns:r="http://schemas.openxmlformats.org/officeDocument/2006/relationships" xmlns:p="http://schemas.openxmlformats.org/presentationml/2006/main">
+  <p:cSld>
+    <p:spTree>
+      <p:nvGrpSpPr>
+        <p:cNvPr id="1" name=""/>
+        <p:cNvGrpSpPr/>
+        <p:nvPr/>
+      </p:nvGrpSpPr>
+      <p:grpSpPr>
+        <a:xfrm>
+          <a:off x="0" y="0"/>
+          <a:ext cx="0" cy="0"/>
+          <a:chOff x="0" y="0"/>
+          <a:chExt cx="0" cy="0"/>
+        </a:xfrm>
+      </p:grpSpPr>
+      <p:pic>
+        <p:nvPicPr>
+          <p:cNvPr id="3" name="Picture 2"/>
+          <p:cNvPicPr>
+            <a:picLocks noChangeAspect="1"/>
+          </p:cNvPicPr>
+          <p:nvPr/>
+        </p:nvPicPr>
+        <p:blipFill>
+          <a:blip r:embed="rId3"/>
+          <a:stretch>
+            <a:fillRect/>
+          </a:stretch>
+        </p:blipFill>
+        <p:spPr>
+          <a:xfrm>
+            <a:off x="707868" y="4426957"/>
+            <a:ext cx="5313566" cy="1920484"/>
           </a:xfrm>
           <a:prstGeom prst="rect">
             <a:avLst/>
@@ -3960,7 +4874,7 @@
         <p:spPr>
           <a:xfrm>
             <a:off x="6920206" y="1188510"/>
-            <a:ext cx="2865858" cy="3831818"/>
+            <a:ext cx="2865858" cy="4001095"/>
           </a:xfrm>
           <a:prstGeom prst="rect">
             <a:avLst/>
@@ -4069,10 +4983,6 @@
               </a:rPr>
               <a:t>Botón “+” para agregar nuevas líneas si en caso hay más PO en un archivo y el botón “-” para borrar nuevas líneas.</a:t>
             </a:r>
-            <a:endParaRPr lang="es-PE" sz="1100" dirty="0" smtClean="0">
-              <a:latin typeface="맑은 고딕" pitchFamily="50" charset="-127"/>
-              <a:ea typeface="맑은 고딕" pitchFamily="50" charset="-127"/>
-            </a:endParaRPr>
           </a:p>
           <a:p>
             <a:pPr marL="228600" indent="-228600">
@@ -4125,21 +5035,7 @@
                 <a:latin typeface="맑은 고딕" pitchFamily="50" charset="-127"/>
                 <a:ea typeface="맑은 고딕" pitchFamily="50" charset="-127"/>
               </a:rPr>
-              <a:t>)</a:t>
-            </a:r>
-            <a:r>
-              <a:rPr lang="es-ES" sz="1100" dirty="0" smtClean="0">
-                <a:latin typeface="맑은 고딕" pitchFamily="50" charset="-127"/>
-                <a:ea typeface="맑은 고딕" pitchFamily="50" charset="-127"/>
-              </a:rPr>
-              <a:t>. </a:t>
-            </a:r>
-            <a:r>
-              <a:rPr lang="es-ES" sz="1100" dirty="0" smtClean="0">
-                <a:latin typeface="맑은 고딕" pitchFamily="50" charset="-127"/>
-                <a:ea typeface="맑은 고딕" pitchFamily="50" charset="-127"/>
-              </a:rPr>
-              <a:t>Se considera un ingreso manual de los PO sin necesidad de adjuntar archivos. En este caso, como se indica en la imagen los PO deberán estar separados por comas o por cada línea.</a:t>
+              <a:t>). Se considera un ingreso manual de los PO sin necesidad de adjuntar archivos. En este caso, se muestra un recuadro donde colocará los PO separado por comas y otro recuadro donde podrá escribir sus observaciones.</a:t>
             </a:r>
           </a:p>
         </p:txBody>
@@ -4416,7 +5312,7 @@
         </p:nvSpPr>
         <p:spPr>
           <a:xfrm>
-            <a:off x="309394" y="4088920"/>
+            <a:off x="394856" y="4426957"/>
             <a:ext cx="215900" cy="215900"/>
           </a:xfrm>
           <a:prstGeom prst="ellipse">
@@ -4481,7 +5377,7 @@
 </p:sld>
 </file>
 
-<file path=ppt/slides/slide4.xml><?xml version="1.0" encoding="utf-8"?>
+<file path=ppt/slides/slide5.xml><?xml version="1.0" encoding="utf-8"?>
 <p:sld xmlns:a="http://schemas.openxmlformats.org/drawingml/2006/main" xmlns:r="http://schemas.openxmlformats.org/officeDocument/2006/relationships" xmlns:p="http://schemas.openxmlformats.org/presentationml/2006/main">
   <p:cSld>
     <p:spTree>
@@ -4703,7 +5599,21 @@
                 <a:latin typeface="맑은 고딕" pitchFamily="50" charset="-127"/>
                 <a:ea typeface="맑은 고딕" pitchFamily="50" charset="-127"/>
               </a:rPr>
-              <a:t>Filtros para buscar por PO o para seleccionar un cliente en específico.</a:t>
+              <a:t>Filtros para buscar por </a:t>
+            </a:r>
+            <a:r>
+              <a:rPr lang="es-PE" sz="1200" dirty="0" smtClean="0">
+                <a:latin typeface="맑은 고딕" pitchFamily="50" charset="-127"/>
+                <a:ea typeface="맑은 고딕" pitchFamily="50" charset="-127"/>
+              </a:rPr>
+              <a:t>PO, por KAM </a:t>
+            </a:r>
+            <a:r>
+              <a:rPr lang="es-PE" sz="1200" dirty="0" smtClean="0">
+                <a:latin typeface="맑은 고딕" pitchFamily="50" charset="-127"/>
+                <a:ea typeface="맑은 고딕" pitchFamily="50" charset="-127"/>
+              </a:rPr>
+              <a:t>o para seleccionar un cliente en específico.</a:t>
             </a:r>
           </a:p>
           <a:p>
@@ -4915,30 +5825,6 @@
           </a:p>
         </p:txBody>
       </p:sp>
-      <p:pic>
-        <p:nvPicPr>
-          <p:cNvPr id="9" name="Picture 8"/>
-          <p:cNvPicPr>
-            <a:picLocks noChangeAspect="1"/>
-          </p:cNvPicPr>
-          <p:nvPr/>
-        </p:nvPicPr>
-        <p:blipFill>
-          <a:blip r:embed="rId4"/>
-          <a:stretch>
-            <a:fillRect/>
-          </a:stretch>
-        </p:blipFill>
-        <p:spPr>
-          <a:xfrm>
-            <a:off x="709211" y="1578247"/>
-            <a:ext cx="3914775" cy="552450"/>
-          </a:xfrm>
-          <a:prstGeom prst="rect">
-            <a:avLst/>
-          </a:prstGeom>
-        </p:spPr>
-      </p:pic>
       <p:sp>
         <p:nvSpPr>
           <p:cNvPr id="18" name="타원 73"/>
@@ -4999,6 +5885,30 @@
           </a:p>
         </p:txBody>
       </p:sp>
+      <p:pic>
+        <p:nvPicPr>
+          <p:cNvPr id="2" name="Picture 1"/>
+          <p:cNvPicPr>
+            <a:picLocks noChangeAspect="1"/>
+          </p:cNvPicPr>
+          <p:nvPr/>
+        </p:nvPicPr>
+        <p:blipFill>
+          <a:blip r:embed="rId4"/>
+          <a:stretch>
+            <a:fillRect/>
+          </a:stretch>
+        </p:blipFill>
+        <p:spPr>
+          <a:xfrm>
+            <a:off x="577519" y="1595650"/>
+            <a:ext cx="5868219" cy="476316"/>
+          </a:xfrm>
+          <a:prstGeom prst="rect">
+            <a:avLst/>
+          </a:prstGeom>
+        </p:spPr>
+      </p:pic>
     </p:spTree>
     <p:extLst>
       <p:ext uri="{BB962C8B-B14F-4D97-AF65-F5344CB8AC3E}">
@@ -5012,7 +5922,7 @@
 </p:sld>
 </file>
 
-<file path=ppt/slides/slide5.xml><?xml version="1.0" encoding="utf-8"?>
+<file path=ppt/slides/slide6.xml><?xml version="1.0" encoding="utf-8"?>
 <p:sld xmlns:a="http://schemas.openxmlformats.org/drawingml/2006/main" xmlns:r="http://schemas.openxmlformats.org/officeDocument/2006/relationships" xmlns:p="http://schemas.openxmlformats.org/presentationml/2006/main">
   <p:cSld>
     <p:spTree>
@@ -5173,10 +6083,6 @@
               </a:rPr>
               <a:t>Email</a:t>
             </a:r>
-            <a:endParaRPr lang="es-PE" sz="1200" b="1" dirty="0" smtClean="0">
-              <a:latin typeface="맑은 고딕" pitchFamily="50" charset="-127"/>
-              <a:ea typeface="맑은 고딕" pitchFamily="50" charset="-127"/>
-            </a:endParaRPr>
           </a:p>
           <a:p>
             <a:r>
@@ -5186,10 +6092,6 @@
               </a:rPr>
               <a:t>Ejemplo de formato de correo que se enviará una vez hecho el registro del PO</a:t>
             </a:r>
-            <a:endParaRPr lang="es-PE" sz="1200" dirty="0" smtClean="0">
-              <a:latin typeface="맑은 고딕" pitchFamily="50" charset="-127"/>
-              <a:ea typeface="맑은 고딕" pitchFamily="50" charset="-127"/>
-            </a:endParaRPr>
           </a:p>
         </p:txBody>
       </p:sp>
